--- a/docs/project/Jon-Paul Boyd Masters Thesis Project Presentation COVID19 Research Cockpit.pptx
+++ b/docs/project/Jon-Paul Boyd Masters Thesis Project Presentation COVID19 Research Cockpit.pptx
@@ -5953,7 +5953,7 @@
                   <a:schemeClr val="bg1"/>
                 </a:solidFill>
               </a:rPr>
-              <a:t> facilitates exploration of other research problem domains (e.g. alternative topic model plug-ins)</a:t>
+              <a:t> facilitates exploration of other research problem domains (e.g. upload documents/datasets, alternative topic model plug-ins)</a:t>
             </a:r>
           </a:p>
           <a:p>
@@ -5980,8 +5980,21 @@
                   <a:schemeClr val="bg1"/>
                 </a:solidFill>
               </a:rPr>
-              <a:t> on the Microsoft Azure platform</a:t>
-            </a:r>
+              <a:t> on the Microsoft Azure platform. Persist digital collection, accessibility, scale topic model training, functions </a:t>
+            </a:r>
+            <a:r>
+              <a:rPr lang="en-GB" sz="1600">
+                <a:solidFill>
+                  <a:schemeClr val="bg1"/>
+                </a:solidFill>
+              </a:rPr>
+              <a:t>as services</a:t>
+            </a:r>
+            <a:endParaRPr lang="en-GB" sz="1600" dirty="0">
+              <a:solidFill>
+                <a:schemeClr val="bg1"/>
+              </a:solidFill>
+            </a:endParaRPr>
           </a:p>
         </p:txBody>
       </p:sp>

--- a/docs/project/Jon-Paul Boyd Masters Thesis Project Presentation COVID19 Research Cockpit.pptx
+++ b/docs/project/Jon-Paul Boyd Masters Thesis Project Presentation COVID19 Research Cockpit.pptx
@@ -214,7 +214,7 @@
           <a:p>
             <a:fld id="{3765EBE0-3380-4608-8716-D6A8DA8A29CA}" type="datetimeFigureOut">
               <a:rPr lang="fr-CH" smtClean="0"/>
-              <a:t>19.08.2020</a:t>
+              <a:t>20.08.2020</a:t>
             </a:fld>
             <a:endParaRPr lang="fr-CH"/>
           </a:p>
@@ -754,7 +754,7 @@
                 </a:solidFill>
               </a:rPr>
               <a:pPr/>
-              <a:t>19/08/2020</a:t>
+              <a:t>20/08/2020</a:t>
             </a:fld>
             <a:endParaRPr lang="en-GB">
               <a:solidFill>
@@ -956,7 +956,7 @@
                 </a:solidFill>
               </a:rPr>
               <a:pPr/>
-              <a:t>19/08/2020</a:t>
+              <a:t>20/08/2020</a:t>
             </a:fld>
             <a:endParaRPr lang="en-GB">
               <a:solidFill>
@@ -1168,7 +1168,7 @@
                 </a:solidFill>
               </a:rPr>
               <a:pPr/>
-              <a:t>19/08/2020</a:t>
+              <a:t>20/08/2020</a:t>
             </a:fld>
             <a:endParaRPr lang="en-GB">
               <a:solidFill>
@@ -1370,7 +1370,7 @@
                 </a:solidFill>
               </a:rPr>
               <a:pPr/>
-              <a:t>19/08/2020</a:t>
+              <a:t>20/08/2020</a:t>
             </a:fld>
             <a:endParaRPr lang="en-GB">
               <a:solidFill>
@@ -1648,7 +1648,7 @@
                 </a:solidFill>
               </a:rPr>
               <a:pPr/>
-              <a:t>19/08/2020</a:t>
+              <a:t>20/08/2020</a:t>
             </a:fld>
             <a:endParaRPr lang="en-GB">
               <a:solidFill>
@@ -1968,7 +1968,7 @@
                 </a:solidFill>
               </a:rPr>
               <a:pPr/>
-              <a:t>19/08/2020</a:t>
+              <a:t>20/08/2020</a:t>
             </a:fld>
             <a:endParaRPr lang="en-GB">
               <a:solidFill>
@@ -2427,7 +2427,7 @@
                 </a:solidFill>
               </a:rPr>
               <a:pPr/>
-              <a:t>19/08/2020</a:t>
+              <a:t>20/08/2020</a:t>
             </a:fld>
             <a:endParaRPr lang="en-GB">
               <a:solidFill>
@@ -2577,7 +2577,7 @@
                 </a:solidFill>
               </a:rPr>
               <a:pPr/>
-              <a:t>19/08/2020</a:t>
+              <a:t>20/08/2020</a:t>
             </a:fld>
             <a:endParaRPr lang="en-GB">
               <a:solidFill>
@@ -2704,7 +2704,7 @@
                 </a:solidFill>
               </a:rPr>
               <a:pPr/>
-              <a:t>19/08/2020</a:t>
+              <a:t>20/08/2020</a:t>
             </a:fld>
             <a:endParaRPr lang="en-GB">
               <a:solidFill>
@@ -3013,7 +3013,7 @@
                 </a:solidFill>
               </a:rPr>
               <a:pPr/>
-              <a:t>19/08/2020</a:t>
+              <a:t>20/08/2020</a:t>
             </a:fld>
             <a:endParaRPr lang="en-GB">
               <a:solidFill>
@@ -3298,7 +3298,7 @@
                 </a:solidFill>
               </a:rPr>
               <a:pPr/>
-              <a:t>19/08/2020</a:t>
+              <a:t>20/08/2020</a:t>
             </a:fld>
             <a:endParaRPr lang="en-GB">
               <a:solidFill>
@@ -3543,7 +3543,7 @@
                 </a:solidFill>
               </a:rPr>
               <a:pPr/>
-              <a:t>19/08/2020</a:t>
+              <a:t>20/08/2020</a:t>
             </a:fld>
             <a:endParaRPr lang="en-GB">
               <a:solidFill>
@@ -4045,8 +4045,8 @@
         </p:nvSpPr>
         <p:spPr>
           <a:xfrm>
-            <a:off x="7250861" y="75563"/>
-            <a:ext cx="4939259" cy="1785104"/>
+            <a:off x="5321508" y="75563"/>
+            <a:ext cx="6868612" cy="1785104"/>
           </a:xfrm>
           <a:prstGeom prst="rect">
             <a:avLst/>
@@ -4074,7 +4074,7 @@
                   <a:prstClr val="white"/>
                 </a:solidFill>
               </a:rPr>
-              <a:t>COVID-19 Research Cockpit</a:t>
+              <a:t>COVID-19 AI-Powered Research Cockpit</a:t>
             </a:r>
             <a:endParaRPr lang="en-GB" sz="3200" dirty="0">
               <a:solidFill>
@@ -5285,7 +5285,7 @@
                   <a:prstClr val="white"/>
                 </a:solidFill>
               </a:rPr>
-              <a:t>Build A COVID-19 Research Cockpit</a:t>
+              <a:t>Build An AI-Powered COVID-19 Research Cockpit</a:t>
             </a:r>
           </a:p>
           <a:p>
@@ -6558,6 +6558,21 @@
 </file>
 
 <file path=customXml/item1.xml><?xml version="1.0" encoding="utf-8"?>
+<?mso-contentType ?>
+<FormTemplates xmlns="http://schemas.microsoft.com/sharepoint/v3/contenttype/forms">
+  <Display>DocumentLibraryForm</Display>
+  <Edit>DocumentLibraryForm</Edit>
+  <New>DocumentLibraryForm</New>
+</FormTemplates>
+</file>
+
+<file path=customXml/item2.xml><?xml version="1.0" encoding="utf-8"?>
+<p:properties xmlns:p="http://schemas.microsoft.com/office/2006/metadata/properties" xmlns:xsi="http://www.w3.org/2001/XMLSchema-instance">
+  <documentManagement/>
+</p:properties>
+</file>
+
+<file path=customXml/item3.xml><?xml version="1.0" encoding="utf-8"?>
 <ct:contentTypeSchema xmlns:ct="http://schemas.microsoft.com/office/2006/metadata/contentType" xmlns:ma="http://schemas.microsoft.com/office/2006/metadata/properties/metaAttributes" ct:_="" ma:_="" ma:contentTypeName="Document" ma:contentTypeID="0x0101008E7116CF2ACD1B49AD73FD6E59CDD597" ma:contentTypeVersion="1" ma:contentTypeDescription="Create a new document." ma:contentTypeScope="" ma:versionID="72bf3f12221f2bd978d60472ba775759">
   <xsd:schema xmlns:xsd="http://www.w3.org/2001/XMLSchema" xmlns:p="http://schemas.microsoft.com/office/2006/metadata/properties" targetNamespace="http://schemas.microsoft.com/office/2006/metadata/properties" ma:root="true" ma:fieldsID="54cdae859f44ac3acdb7285e96c8ed0f">
     <xsd:element name="properties">
@@ -6606,32 +6621,10 @@
 </ct:contentTypeSchema>
 </file>
 
-<file path=customXml/item2.xml><?xml version="1.0" encoding="utf-8"?>
-<p:properties xmlns:p="http://schemas.microsoft.com/office/2006/metadata/properties" xmlns:xsi="http://www.w3.org/2001/XMLSchema-instance">
-  <documentManagement/>
-</p:properties>
-</file>
-
-<file path=customXml/item3.xml><?xml version="1.0" encoding="utf-8"?>
-<?mso-contentType ?>
-<FormTemplates xmlns="http://schemas.microsoft.com/sharepoint/v3/contenttype/forms">
-  <Display>DocumentLibraryForm</Display>
-  <Edit>DocumentLibraryForm</Edit>
-  <New>DocumentLibraryForm</New>
-</FormTemplates>
-</file>
-
 <file path=customXml/itemProps1.xml><?xml version="1.0" encoding="utf-8"?>
-<ds:datastoreItem xmlns:ds="http://schemas.openxmlformats.org/officeDocument/2006/customXml" ds:itemID="{C26A1512-674B-407E-9125-A001EB637C7B}">
+<ds:datastoreItem xmlns:ds="http://schemas.openxmlformats.org/officeDocument/2006/customXml" ds:itemID="{D44EE68D-88EC-4D16-8BCE-34AF1A8C2E9D}">
   <ds:schemaRefs>
-    <ds:schemaRef ds:uri="http://schemas.microsoft.com/office/2006/metadata/contentType"/>
-    <ds:schemaRef ds:uri="http://schemas.microsoft.com/office/2006/metadata/properties/metaAttributes"/>
-    <ds:schemaRef ds:uri="http://www.w3.org/2001/XMLSchema"/>
-    <ds:schemaRef ds:uri="http://schemas.microsoft.com/office/2006/metadata/properties"/>
-    <ds:schemaRef ds:uri="http://schemas.openxmlformats.org/package/2006/metadata/core-properties"/>
-    <ds:schemaRef ds:uri="http://purl.org/dc/elements/1.1/"/>
-    <ds:schemaRef ds:uri="http://purl.org/dc/terms/"/>
-    <ds:schemaRef ds:uri="http://schemas.microsoft.com/office/internal/2005/internalDocumentation"/>
+    <ds:schemaRef ds:uri="http://schemas.microsoft.com/sharepoint/v3/contenttype/forms"/>
   </ds:schemaRefs>
 </ds:datastoreItem>
 </file>
@@ -6651,9 +6644,16 @@
 </file>
 
 <file path=customXml/itemProps3.xml><?xml version="1.0" encoding="utf-8"?>
-<ds:datastoreItem xmlns:ds="http://schemas.openxmlformats.org/officeDocument/2006/customXml" ds:itemID="{D44EE68D-88EC-4D16-8BCE-34AF1A8C2E9D}">
+<ds:datastoreItem xmlns:ds="http://schemas.openxmlformats.org/officeDocument/2006/customXml" ds:itemID="{C26A1512-674B-407E-9125-A001EB637C7B}">
   <ds:schemaRefs>
-    <ds:schemaRef ds:uri="http://schemas.microsoft.com/sharepoint/v3/contenttype/forms"/>
+    <ds:schemaRef ds:uri="http://schemas.microsoft.com/office/2006/metadata/contentType"/>
+    <ds:schemaRef ds:uri="http://schemas.microsoft.com/office/2006/metadata/properties/metaAttributes"/>
+    <ds:schemaRef ds:uri="http://www.w3.org/2001/XMLSchema"/>
+    <ds:schemaRef ds:uri="http://schemas.microsoft.com/office/2006/metadata/properties"/>
+    <ds:schemaRef ds:uri="http://schemas.openxmlformats.org/package/2006/metadata/core-properties"/>
+    <ds:schemaRef ds:uri="http://purl.org/dc/elements/1.1/"/>
+    <ds:schemaRef ds:uri="http://purl.org/dc/terms/"/>
+    <ds:schemaRef ds:uri="http://schemas.microsoft.com/office/internal/2005/internalDocumentation"/>
   </ds:schemaRefs>
 </ds:datastoreItem>
 </file>
--- a/docs/project/Jon-Paul Boyd Masters Thesis Project Presentation COVID19 Research Cockpit.pptx
+++ b/docs/project/Jon-Paul Boyd Masters Thesis Project Presentation COVID19 Research Cockpit.pptx
@@ -4074,7 +4074,7 @@
                   <a:prstClr val="white"/>
                 </a:solidFill>
               </a:rPr>
-              <a:t>COVID-19 AI-Powered Research Cockpit</a:t>
+              <a:t>AI-Powered COVID-19 Research Cockpit</a:t>
             </a:r>
             <a:endParaRPr lang="en-GB" sz="3200" dirty="0">
               <a:solidFill>
@@ -6558,21 +6558,6 @@
 </file>
 
 <file path=customXml/item1.xml><?xml version="1.0" encoding="utf-8"?>
-<?mso-contentType ?>
-<FormTemplates xmlns="http://schemas.microsoft.com/sharepoint/v3/contenttype/forms">
-  <Display>DocumentLibraryForm</Display>
-  <Edit>DocumentLibraryForm</Edit>
-  <New>DocumentLibraryForm</New>
-</FormTemplates>
-</file>
-
-<file path=customXml/item2.xml><?xml version="1.0" encoding="utf-8"?>
-<p:properties xmlns:p="http://schemas.microsoft.com/office/2006/metadata/properties" xmlns:xsi="http://www.w3.org/2001/XMLSchema-instance">
-  <documentManagement/>
-</p:properties>
-</file>
-
-<file path=customXml/item3.xml><?xml version="1.0" encoding="utf-8"?>
 <ct:contentTypeSchema xmlns:ct="http://schemas.microsoft.com/office/2006/metadata/contentType" xmlns:ma="http://schemas.microsoft.com/office/2006/metadata/properties/metaAttributes" ct:_="" ma:_="" ma:contentTypeName="Document" ma:contentTypeID="0x0101008E7116CF2ACD1B49AD73FD6E59CDD597" ma:contentTypeVersion="1" ma:contentTypeDescription="Create a new document." ma:contentTypeScope="" ma:versionID="72bf3f12221f2bd978d60472ba775759">
   <xsd:schema xmlns:xsd="http://www.w3.org/2001/XMLSchema" xmlns:p="http://schemas.microsoft.com/office/2006/metadata/properties" targetNamespace="http://schemas.microsoft.com/office/2006/metadata/properties" ma:root="true" ma:fieldsID="54cdae859f44ac3acdb7285e96c8ed0f">
     <xsd:element name="properties">
@@ -6621,10 +6606,32 @@
 </ct:contentTypeSchema>
 </file>
 
+<file path=customXml/item2.xml><?xml version="1.0" encoding="utf-8"?>
+<p:properties xmlns:p="http://schemas.microsoft.com/office/2006/metadata/properties" xmlns:xsi="http://www.w3.org/2001/XMLSchema-instance">
+  <documentManagement/>
+</p:properties>
+</file>
+
+<file path=customXml/item3.xml><?xml version="1.0" encoding="utf-8"?>
+<?mso-contentType ?>
+<FormTemplates xmlns="http://schemas.microsoft.com/sharepoint/v3/contenttype/forms">
+  <Display>DocumentLibraryForm</Display>
+  <Edit>DocumentLibraryForm</Edit>
+  <New>DocumentLibraryForm</New>
+</FormTemplates>
+</file>
+
 <file path=customXml/itemProps1.xml><?xml version="1.0" encoding="utf-8"?>
-<ds:datastoreItem xmlns:ds="http://schemas.openxmlformats.org/officeDocument/2006/customXml" ds:itemID="{D44EE68D-88EC-4D16-8BCE-34AF1A8C2E9D}">
+<ds:datastoreItem xmlns:ds="http://schemas.openxmlformats.org/officeDocument/2006/customXml" ds:itemID="{C26A1512-674B-407E-9125-A001EB637C7B}">
   <ds:schemaRefs>
-    <ds:schemaRef ds:uri="http://schemas.microsoft.com/sharepoint/v3/contenttype/forms"/>
+    <ds:schemaRef ds:uri="http://schemas.microsoft.com/office/2006/metadata/contentType"/>
+    <ds:schemaRef ds:uri="http://schemas.microsoft.com/office/2006/metadata/properties/metaAttributes"/>
+    <ds:schemaRef ds:uri="http://www.w3.org/2001/XMLSchema"/>
+    <ds:schemaRef ds:uri="http://schemas.microsoft.com/office/2006/metadata/properties"/>
+    <ds:schemaRef ds:uri="http://schemas.openxmlformats.org/package/2006/metadata/core-properties"/>
+    <ds:schemaRef ds:uri="http://purl.org/dc/elements/1.1/"/>
+    <ds:schemaRef ds:uri="http://purl.org/dc/terms/"/>
+    <ds:schemaRef ds:uri="http://schemas.microsoft.com/office/internal/2005/internalDocumentation"/>
   </ds:schemaRefs>
 </ds:datastoreItem>
 </file>
@@ -6644,16 +6651,9 @@
 </file>
 
 <file path=customXml/itemProps3.xml><?xml version="1.0" encoding="utf-8"?>
-<ds:datastoreItem xmlns:ds="http://schemas.openxmlformats.org/officeDocument/2006/customXml" ds:itemID="{C26A1512-674B-407E-9125-A001EB637C7B}">
+<ds:datastoreItem xmlns:ds="http://schemas.openxmlformats.org/officeDocument/2006/customXml" ds:itemID="{D44EE68D-88EC-4D16-8BCE-34AF1A8C2E9D}">
   <ds:schemaRefs>
-    <ds:schemaRef ds:uri="http://schemas.microsoft.com/office/2006/metadata/contentType"/>
-    <ds:schemaRef ds:uri="http://schemas.microsoft.com/office/2006/metadata/properties/metaAttributes"/>
-    <ds:schemaRef ds:uri="http://www.w3.org/2001/XMLSchema"/>
-    <ds:schemaRef ds:uri="http://schemas.microsoft.com/office/2006/metadata/properties"/>
-    <ds:schemaRef ds:uri="http://schemas.openxmlformats.org/package/2006/metadata/core-properties"/>
-    <ds:schemaRef ds:uri="http://purl.org/dc/elements/1.1/"/>
-    <ds:schemaRef ds:uri="http://purl.org/dc/terms/"/>
-    <ds:schemaRef ds:uri="http://schemas.microsoft.com/office/internal/2005/internalDocumentation"/>
+    <ds:schemaRef ds:uri="http://schemas.microsoft.com/sharepoint/v3/contenttype/forms"/>
   </ds:schemaRefs>
 </ds:datastoreItem>
 </file>